--- a/MIMIC_NLP.pptx
+++ b/MIMIC_NLP.pptx
@@ -28,7 +28,9 @@
     <p:sldId id="275" r:id="rId22"/>
     <p:sldId id="277" r:id="rId23"/>
     <p:sldId id="278" r:id="rId24"/>
-    <p:sldId id="280" r:id="rId25"/>
+    <p:sldId id="282" r:id="rId25"/>
+    <p:sldId id="281" r:id="rId26"/>
+    <p:sldId id="280" r:id="rId27"/>
   </p:sldIdLst>
   <p:sldSz cx="12192000" cy="6858000"/>
   <p:notesSz cx="6858000" cy="9144000"/>
@@ -5938,7 +5940,9 @@
           </a:xfrm>
         </p:spPr>
         <p:txBody>
-          <a:bodyPr/>
+          <a:bodyPr>
+            <a:normAutofit lnSpcReduction="10000"/>
+          </a:bodyPr>
           <a:lstStyle/>
           <a:p>
             <a:r>
@@ -5986,6 +5990,14 @@
             <a:r>
               <a:rPr lang="en-US" dirty="0" err="1"/>
               <a:t>Scispacy</a:t>
+            </a:r>
+            <a:r>
+              <a:rPr lang="en-US" dirty="0"/>
+              <a:t>, </a:t>
+            </a:r>
+            <a:r>
+              <a:rPr lang="en-US" dirty="0" err="1"/>
+              <a:t>BioClinicalBERT</a:t>
             </a:r>
             <a:r>
               <a:rPr lang="en-US" dirty="0"/>
@@ -6744,6 +6756,473 @@
 </file>
 
 <file path=ppt/slides/slide24.xml><?xml version="1.0" encoding="utf-8"?>
+<p:sld xmlns:a="http://schemas.openxmlformats.org/drawingml/2006/main" xmlns:r="http://schemas.openxmlformats.org/officeDocument/2006/relationships" xmlns:p="http://schemas.openxmlformats.org/presentationml/2006/main">
+  <p:cSld>
+    <p:spTree>
+      <p:nvGrpSpPr>
+        <p:cNvPr id="1" name=""/>
+        <p:cNvGrpSpPr/>
+        <p:nvPr/>
+      </p:nvGrpSpPr>
+      <p:grpSpPr>
+        <a:xfrm>
+          <a:off x="0" y="0"/>
+          <a:ext cx="0" cy="0"/>
+          <a:chOff x="0" y="0"/>
+          <a:chExt cx="0" cy="0"/>
+        </a:xfrm>
+      </p:grpSpPr>
+      <p:sp>
+        <p:nvSpPr>
+          <p:cNvPr id="2" name="TextBox 1">
+            <a:extLst>
+              <a:ext uri="{FF2B5EF4-FFF2-40B4-BE49-F238E27FC236}">
+                <a16:creationId xmlns:a16="http://schemas.microsoft.com/office/drawing/2014/main" id="{0325E53E-62AA-1155-FD03-A7FA495FACAB}"/>
+              </a:ext>
+            </a:extLst>
+          </p:cNvPr>
+          <p:cNvSpPr txBox="1"/>
+          <p:nvPr/>
+        </p:nvSpPr>
+        <p:spPr>
+          <a:xfrm>
+            <a:off x="67456" y="82446"/>
+            <a:ext cx="12067082" cy="923330"/>
+          </a:xfrm>
+          <a:prstGeom prst="rect">
+            <a:avLst/>
+          </a:prstGeom>
+          <a:noFill/>
+        </p:spPr>
+        <p:txBody>
+          <a:bodyPr wrap="square" rtlCol="0">
+            <a:spAutoFit/>
+          </a:bodyPr>
+          <a:lstStyle/>
+          <a:p>
+            <a:pPr marL="285750" indent="-285750">
+              <a:buFont typeface="Arial" panose="020B0604020202020204" pitchFamily="34" charset="0"/>
+              <a:buChar char="•"/>
+            </a:pPr>
+            <a:r>
+              <a:rPr lang="en-US" dirty="0"/>
+              <a:t>For tokenization use import </a:t>
+            </a:r>
+            <a:r>
+              <a:rPr lang="en-US" dirty="0" err="1"/>
+              <a:t>ntlk</a:t>
+            </a:r>
+            <a:r>
+              <a:rPr lang="en-US" dirty="0"/>
+              <a:t> package</a:t>
+            </a:r>
+          </a:p>
+          <a:p>
+            <a:pPr marL="285750" indent="-285750">
+              <a:buFont typeface="Arial" panose="020B0604020202020204" pitchFamily="34" charset="0"/>
+              <a:buChar char="•"/>
+            </a:pPr>
+            <a:r>
+              <a:rPr lang="en-US" dirty="0" err="1"/>
+              <a:t>nltk.tokenize</a:t>
+            </a:r>
+            <a:r>
+              <a:rPr lang="en-US" dirty="0"/>
+              <a:t> is used to split each text in list into individual words</a:t>
+            </a:r>
+          </a:p>
+          <a:p>
+            <a:pPr marL="285750" indent="-285750">
+              <a:buFont typeface="Arial" panose="020B0604020202020204" pitchFamily="34" charset="0"/>
+              <a:buChar char="•"/>
+            </a:pPr>
+            <a:endParaRPr lang="en-US" dirty="0"/>
+          </a:p>
+        </p:txBody>
+      </p:sp>
+      <p:pic>
+        <p:nvPicPr>
+          <p:cNvPr id="5" name="Picture 4">
+            <a:extLst>
+              <a:ext uri="{FF2B5EF4-FFF2-40B4-BE49-F238E27FC236}">
+                <a16:creationId xmlns:a16="http://schemas.microsoft.com/office/drawing/2014/main" id="{A85061FE-4923-882C-A8E9-7F26297EF738}"/>
+              </a:ext>
+            </a:extLst>
+          </p:cNvPr>
+          <p:cNvPicPr>
+            <a:picLocks noChangeAspect="1"/>
+          </p:cNvPicPr>
+          <p:nvPr/>
+        </p:nvPicPr>
+        <p:blipFill>
+          <a:blip r:embed="rId2"/>
+          <a:stretch>
+            <a:fillRect/>
+          </a:stretch>
+        </p:blipFill>
+        <p:spPr>
+          <a:xfrm>
+            <a:off x="479263" y="761625"/>
+            <a:ext cx="4458322" cy="781159"/>
+          </a:xfrm>
+          <a:prstGeom prst="rect">
+            <a:avLst/>
+          </a:prstGeom>
+        </p:spPr>
+      </p:pic>
+    </p:spTree>
+    <p:extLst>
+      <p:ext uri="{BB962C8B-B14F-4D97-AF65-F5344CB8AC3E}">
+        <p14:creationId xmlns:p14="http://schemas.microsoft.com/office/powerpoint/2010/main" val="1105995882"/>
+      </p:ext>
+    </p:extLst>
+  </p:cSld>
+  <p:clrMapOvr>
+    <a:masterClrMapping/>
+  </p:clrMapOvr>
+</p:sld>
+</file>
+
+<file path=ppt/slides/slide25.xml><?xml version="1.0" encoding="utf-8"?>
+<p:sld xmlns:a="http://schemas.openxmlformats.org/drawingml/2006/main" xmlns:r="http://schemas.openxmlformats.org/officeDocument/2006/relationships" xmlns:p="http://schemas.openxmlformats.org/presentationml/2006/main">
+  <p:cSld>
+    <p:spTree>
+      <p:nvGrpSpPr>
+        <p:cNvPr id="1" name=""/>
+        <p:cNvGrpSpPr/>
+        <p:nvPr/>
+      </p:nvGrpSpPr>
+      <p:grpSpPr>
+        <a:xfrm>
+          <a:off x="0" y="0"/>
+          <a:ext cx="0" cy="0"/>
+          <a:chOff x="0" y="0"/>
+          <a:chExt cx="0" cy="0"/>
+        </a:xfrm>
+      </p:grpSpPr>
+      <p:sp>
+        <p:nvSpPr>
+          <p:cNvPr id="3" name="TextBox 2">
+            <a:extLst>
+              <a:ext uri="{FF2B5EF4-FFF2-40B4-BE49-F238E27FC236}">
+                <a16:creationId xmlns:a16="http://schemas.microsoft.com/office/drawing/2014/main" id="{D06ACC98-A652-40B3-552B-9144EE469386}"/>
+              </a:ext>
+            </a:extLst>
+          </p:cNvPr>
+          <p:cNvSpPr txBox="1"/>
+          <p:nvPr/>
+        </p:nvSpPr>
+        <p:spPr>
+          <a:xfrm>
+            <a:off x="61369" y="0"/>
+            <a:ext cx="12059034" cy="6740307"/>
+          </a:xfrm>
+          <a:prstGeom prst="rect">
+            <a:avLst/>
+          </a:prstGeom>
+          <a:noFill/>
+        </p:spPr>
+        <p:txBody>
+          <a:bodyPr wrap="square" rtlCol="0">
+            <a:spAutoFit/>
+          </a:bodyPr>
+          <a:lstStyle/>
+          <a:p>
+            <a:pPr marL="285750" indent="-285750">
+              <a:buFont typeface="Arial" panose="020B0604020202020204" pitchFamily="34" charset="0"/>
+              <a:buChar char="•"/>
+            </a:pPr>
+            <a:r>
+              <a:rPr lang="en-US" dirty="0" err="1"/>
+              <a:t>ClinicalBert</a:t>
+            </a:r>
+            <a:r>
+              <a:rPr lang="en-US" dirty="0"/>
+              <a:t> can be visualized on ‘PHYSICAL EXAM’ label extracted subpassage from medical notes.</a:t>
+            </a:r>
+          </a:p>
+          <a:p>
+            <a:pPr marL="285750" indent="-285750">
+              <a:buFont typeface="Arial" panose="020B0604020202020204" pitchFamily="34" charset="0"/>
+              <a:buChar char="•"/>
+            </a:pPr>
+            <a:endParaRPr lang="en-US" dirty="0"/>
+          </a:p>
+          <a:p>
+            <a:pPr marL="285750" indent="-285750">
+              <a:buFont typeface="Arial" panose="020B0604020202020204" pitchFamily="34" charset="0"/>
+              <a:buChar char="•"/>
+            </a:pPr>
+            <a:endParaRPr lang="en-US" dirty="0"/>
+          </a:p>
+          <a:p>
+            <a:pPr marL="285750" indent="-285750">
+              <a:buFont typeface="Arial" panose="020B0604020202020204" pitchFamily="34" charset="0"/>
+              <a:buChar char="•"/>
+            </a:pPr>
+            <a:endParaRPr lang="en-US" dirty="0"/>
+          </a:p>
+          <a:p>
+            <a:pPr marL="285750" indent="-285750">
+              <a:buFont typeface="Arial" panose="020B0604020202020204" pitchFamily="34" charset="0"/>
+              <a:buChar char="•"/>
+            </a:pPr>
+            <a:r>
+              <a:rPr lang="en-US" dirty="0"/>
+              <a:t>Tokenized notes presents the tokens extracted from the ‘PHYSICAL EXAM’ </a:t>
+            </a:r>
+            <a:r>
+              <a:rPr lang="en-US" dirty="0" err="1"/>
+              <a:t>label_df</a:t>
+            </a:r>
+            <a:endParaRPr lang="en-US" dirty="0"/>
+          </a:p>
+          <a:p>
+            <a:pPr marL="285750" indent="-285750">
+              <a:buFont typeface="Arial" panose="020B0604020202020204" pitchFamily="34" charset="0"/>
+              <a:buChar char="•"/>
+            </a:pPr>
+            <a:endParaRPr lang="en-US" dirty="0"/>
+          </a:p>
+          <a:p>
+            <a:pPr marL="285750" indent="-285750">
+              <a:buFont typeface="Arial" panose="020B0604020202020204" pitchFamily="34" charset="0"/>
+              <a:buChar char="•"/>
+            </a:pPr>
+            <a:endParaRPr lang="en-US" dirty="0"/>
+          </a:p>
+          <a:p>
+            <a:pPr marL="285750" indent="-285750">
+              <a:buFont typeface="Arial" panose="020B0604020202020204" pitchFamily="34" charset="0"/>
+              <a:buChar char="•"/>
+            </a:pPr>
+            <a:endParaRPr lang="en-US" dirty="0"/>
+          </a:p>
+          <a:p>
+            <a:pPr marL="285750" indent="-285750">
+              <a:buFont typeface="Arial" panose="020B0604020202020204" pitchFamily="34" charset="0"/>
+              <a:buChar char="•"/>
+            </a:pPr>
+            <a:endParaRPr lang="en-US" dirty="0"/>
+          </a:p>
+          <a:p>
+            <a:pPr marL="285750" indent="-285750">
+              <a:buFont typeface="Arial" panose="020B0604020202020204" pitchFamily="34" charset="0"/>
+              <a:buChar char="•"/>
+            </a:pPr>
+            <a:endParaRPr lang="en-US" dirty="0"/>
+          </a:p>
+          <a:p>
+            <a:pPr marL="285750" indent="-285750">
+              <a:buFont typeface="Arial" panose="020B0604020202020204" pitchFamily="34" charset="0"/>
+              <a:buChar char="•"/>
+            </a:pPr>
+            <a:endParaRPr lang="en-US" dirty="0"/>
+          </a:p>
+          <a:p>
+            <a:pPr marL="285750" indent="-285750">
+              <a:buFont typeface="Arial" panose="020B0604020202020204" pitchFamily="34" charset="0"/>
+              <a:buChar char="•"/>
+            </a:pPr>
+            <a:endParaRPr lang="en-US" dirty="0"/>
+          </a:p>
+          <a:p>
+            <a:pPr marL="285750" indent="-285750">
+              <a:buFont typeface="Arial" panose="020B0604020202020204" pitchFamily="34" charset="0"/>
+              <a:buChar char="•"/>
+            </a:pPr>
+            <a:endParaRPr lang="en-US" dirty="0"/>
+          </a:p>
+          <a:p>
+            <a:pPr marL="285750" indent="-285750">
+              <a:buFont typeface="Arial" panose="020B0604020202020204" pitchFamily="34" charset="0"/>
+              <a:buChar char="•"/>
+            </a:pPr>
+            <a:endParaRPr lang="en-US" dirty="0"/>
+          </a:p>
+          <a:p>
+            <a:pPr marL="285750" indent="-285750">
+              <a:buFont typeface="Arial" panose="020B0604020202020204" pitchFamily="34" charset="0"/>
+              <a:buChar char="•"/>
+            </a:pPr>
+            <a:endParaRPr lang="en-US" dirty="0"/>
+          </a:p>
+          <a:p>
+            <a:pPr marL="285750" indent="-285750">
+              <a:buFont typeface="Arial" panose="020B0604020202020204" pitchFamily="34" charset="0"/>
+              <a:buChar char="•"/>
+            </a:pPr>
+            <a:endParaRPr lang="en-US" dirty="0"/>
+          </a:p>
+          <a:p>
+            <a:pPr marL="285750" indent="-285750">
+              <a:buFont typeface="Arial" panose="020B0604020202020204" pitchFamily="34" charset="0"/>
+              <a:buChar char="•"/>
+            </a:pPr>
+            <a:endParaRPr lang="en-US" dirty="0"/>
+          </a:p>
+          <a:p>
+            <a:pPr marL="285750" indent="-285750">
+              <a:buFont typeface="Arial" panose="020B0604020202020204" pitchFamily="34" charset="0"/>
+              <a:buChar char="•"/>
+            </a:pPr>
+            <a:endParaRPr lang="en-US" dirty="0"/>
+          </a:p>
+          <a:p>
+            <a:pPr marL="285750" indent="-285750">
+              <a:buFont typeface="Arial" panose="020B0604020202020204" pitchFamily="34" charset="0"/>
+              <a:buChar char="•"/>
+            </a:pPr>
+            <a:endParaRPr lang="en-US" dirty="0"/>
+          </a:p>
+          <a:p>
+            <a:pPr marL="285750" indent="-285750">
+              <a:buFont typeface="Arial" panose="020B0604020202020204" pitchFamily="34" charset="0"/>
+              <a:buChar char="•"/>
+            </a:pPr>
+            <a:endParaRPr lang="en-US" dirty="0"/>
+          </a:p>
+          <a:p>
+            <a:pPr marL="285750" indent="-285750">
+              <a:buFont typeface="Arial" panose="020B0604020202020204" pitchFamily="34" charset="0"/>
+              <a:buChar char="•"/>
+            </a:pPr>
+            <a:r>
+              <a:rPr lang="en-US" dirty="0"/>
+              <a:t>Word Vector is created by substituting the </a:t>
+            </a:r>
+            <a:r>
+              <a:rPr lang="en-US" dirty="0" err="1"/>
+              <a:t>tokenized_notes</a:t>
+            </a:r>
+            <a:r>
+              <a:rPr lang="en-US" dirty="0"/>
+              <a:t>.</a:t>
+            </a:r>
+          </a:p>
+          <a:p>
+            <a:pPr marL="285750" indent="-285750">
+              <a:buFont typeface="Arial" panose="020B0604020202020204" pitchFamily="34" charset="0"/>
+              <a:buChar char="•"/>
+            </a:pPr>
+            <a:endParaRPr lang="en-US" dirty="0"/>
+          </a:p>
+          <a:p>
+            <a:pPr marL="285750" indent="-285750">
+              <a:buFont typeface="Arial" panose="020B0604020202020204" pitchFamily="34" charset="0"/>
+              <a:buChar char="•"/>
+            </a:pPr>
+            <a:endParaRPr lang="en-US" dirty="0"/>
+          </a:p>
+          <a:p>
+            <a:endParaRPr lang="en-US" dirty="0"/>
+          </a:p>
+        </p:txBody>
+      </p:sp>
+      <p:pic>
+        <p:nvPicPr>
+          <p:cNvPr id="5" name="Picture 4">
+            <a:extLst>
+              <a:ext uri="{FF2B5EF4-FFF2-40B4-BE49-F238E27FC236}">
+                <a16:creationId xmlns:a16="http://schemas.microsoft.com/office/drawing/2014/main" id="{6EBD40BB-E9BA-A44D-393A-183948F3A740}"/>
+              </a:ext>
+            </a:extLst>
+          </p:cNvPr>
+          <p:cNvPicPr>
+            <a:picLocks noChangeAspect="1"/>
+          </p:cNvPicPr>
+          <p:nvPr/>
+        </p:nvPicPr>
+        <p:blipFill>
+          <a:blip r:embed="rId2"/>
+          <a:stretch>
+            <a:fillRect/>
+          </a:stretch>
+        </p:blipFill>
+        <p:spPr>
+          <a:xfrm>
+            <a:off x="492808" y="323165"/>
+            <a:ext cx="5020376" cy="609685"/>
+          </a:xfrm>
+          <a:prstGeom prst="rect">
+            <a:avLst/>
+          </a:prstGeom>
+        </p:spPr>
+      </p:pic>
+      <p:pic>
+        <p:nvPicPr>
+          <p:cNvPr id="7" name="Picture 6">
+            <a:extLst>
+              <a:ext uri="{FF2B5EF4-FFF2-40B4-BE49-F238E27FC236}">
+                <a16:creationId xmlns:a16="http://schemas.microsoft.com/office/drawing/2014/main" id="{3DAFD96F-220C-68FD-522B-97EA779CF514}"/>
+              </a:ext>
+            </a:extLst>
+          </p:cNvPr>
+          <p:cNvPicPr>
+            <a:picLocks noChangeAspect="1"/>
+          </p:cNvPicPr>
+          <p:nvPr/>
+        </p:nvPicPr>
+        <p:blipFill>
+          <a:blip r:embed="rId3"/>
+          <a:stretch>
+            <a:fillRect/>
+          </a:stretch>
+        </p:blipFill>
+        <p:spPr>
+          <a:xfrm>
+            <a:off x="492808" y="1452286"/>
+            <a:ext cx="8535591" cy="3953427"/>
+          </a:xfrm>
+          <a:prstGeom prst="rect">
+            <a:avLst/>
+          </a:prstGeom>
+        </p:spPr>
+      </p:pic>
+      <p:pic>
+        <p:nvPicPr>
+          <p:cNvPr id="9" name="Picture 8">
+            <a:extLst>
+              <a:ext uri="{FF2B5EF4-FFF2-40B4-BE49-F238E27FC236}">
+                <a16:creationId xmlns:a16="http://schemas.microsoft.com/office/drawing/2014/main" id="{4A9FC989-0280-41CB-A499-D64D4467EBA8}"/>
+              </a:ext>
+            </a:extLst>
+          </p:cNvPr>
+          <p:cNvPicPr>
+            <a:picLocks noChangeAspect="1"/>
+          </p:cNvPicPr>
+          <p:nvPr/>
+        </p:nvPicPr>
+        <p:blipFill>
+          <a:blip r:embed="rId4"/>
+          <a:stretch>
+            <a:fillRect/>
+          </a:stretch>
+        </p:blipFill>
+        <p:spPr>
+          <a:xfrm>
+            <a:off x="492808" y="5896571"/>
+            <a:ext cx="9326277" cy="638264"/>
+          </a:xfrm>
+          <a:prstGeom prst="rect">
+            <a:avLst/>
+          </a:prstGeom>
+        </p:spPr>
+      </p:pic>
+    </p:spTree>
+    <p:extLst>
+      <p:ext uri="{BB962C8B-B14F-4D97-AF65-F5344CB8AC3E}">
+        <p14:creationId xmlns:p14="http://schemas.microsoft.com/office/powerpoint/2010/main" val="2875198782"/>
+      </p:ext>
+    </p:extLst>
+  </p:cSld>
+  <p:clrMapOvr>
+    <a:masterClrMapping/>
+  </p:clrMapOvr>
+</p:sld>
+</file>
+
+<file path=ppt/slides/slide26.xml><?xml version="1.0" encoding="utf-8"?>
 <p:sld xmlns:a="http://schemas.openxmlformats.org/drawingml/2006/main" xmlns:r="http://schemas.openxmlformats.org/officeDocument/2006/relationships" xmlns:p="http://schemas.openxmlformats.org/presentationml/2006/main">
   <p:cSld>
     <p:spTree>
